--- a/ppt 16-9/0192.欢乐无穷尽.pptx
+++ b/ppt 16-9/0192.欢乐无穷尽.pptx
@@ -5,7 +5,7 @@
     <p:sldMasterId id="2147483648" r:id="rId1"/>
   </p:sldMasterIdLst>
   <p:sldIdLst>
-    <p:sldId id="2826" r:id="rId2"/>
+    <p:sldId id="2827" r:id="rId2"/>
   </p:sldIdLst>
   <p:sldSz cx="12192000" cy="6858000"/>
   <p:notesSz cx="6858000" cy="9144000"/>
@@ -129,7 +129,7 @@
           <p:cNvPr id="2" name="标题 1">
             <a:extLst>
               <a:ext uri="{FF2B5EF4-FFF2-40B4-BE49-F238E27FC236}">
-                <a16:creationId xmlns:a16="http://schemas.microsoft.com/office/drawing/2014/main" id="{DCA7D733-9C11-37A9-0D5B-E5FCE38A2199}"/>
+                <a16:creationId xmlns:a16="http://schemas.microsoft.com/office/drawing/2014/main" id="{4AA77501-E835-B043-A17F-AFB41EE58744}"/>
               </a:ext>
             </a:extLst>
           </p:cNvPr>
@@ -166,7 +166,7 @@
           <p:cNvPr id="3" name="副标题 2">
             <a:extLst>
               <a:ext uri="{FF2B5EF4-FFF2-40B4-BE49-F238E27FC236}">
-                <a16:creationId xmlns:a16="http://schemas.microsoft.com/office/drawing/2014/main" id="{99618FFE-5779-4650-78FE-77F2AA632DC2}"/>
+                <a16:creationId xmlns:a16="http://schemas.microsoft.com/office/drawing/2014/main" id="{4AFD64E9-C043-5A71-48B1-CC004574225E}"/>
               </a:ext>
             </a:extLst>
           </p:cNvPr>
@@ -236,7 +236,7 @@
           <p:cNvPr id="4" name="日期占位符 3">
             <a:extLst>
               <a:ext uri="{FF2B5EF4-FFF2-40B4-BE49-F238E27FC236}">
-                <a16:creationId xmlns:a16="http://schemas.microsoft.com/office/drawing/2014/main" id="{72394BD6-62DA-F482-FCC9-AAA675D61B9C}"/>
+                <a16:creationId xmlns:a16="http://schemas.microsoft.com/office/drawing/2014/main" id="{0F7D44C6-882B-D86B-3083-32DE971AE558}"/>
               </a:ext>
             </a:extLst>
           </p:cNvPr>
@@ -252,7 +252,7 @@
           <a:bodyPr/>
           <a:lstStyle/>
           <a:p>
-            <a:fld id="{1B2CA55D-B910-4769-83E9-1A1572BBE897}" type="datetimeFigureOut">
+            <a:fld id="{C153205C-E15B-4F17-83FE-C2174B057DB5}" type="datetimeFigureOut">
               <a:rPr lang="zh-CN" altLang="en-US" smtClean="0"/>
               <a:t>2024/3/10</a:t>
             </a:fld>
@@ -265,7 +265,7 @@
           <p:cNvPr id="5" name="页脚占位符 4">
             <a:extLst>
               <a:ext uri="{FF2B5EF4-FFF2-40B4-BE49-F238E27FC236}">
-                <a16:creationId xmlns:a16="http://schemas.microsoft.com/office/drawing/2014/main" id="{57D3C589-D080-197A-9A0F-4C0B7E0062C8}"/>
+                <a16:creationId xmlns:a16="http://schemas.microsoft.com/office/drawing/2014/main" id="{429C0144-944A-719F-423F-A60CD86A561E}"/>
               </a:ext>
             </a:extLst>
           </p:cNvPr>
@@ -290,7 +290,7 @@
           <p:cNvPr id="6" name="灯片编号占位符 5">
             <a:extLst>
               <a:ext uri="{FF2B5EF4-FFF2-40B4-BE49-F238E27FC236}">
-                <a16:creationId xmlns:a16="http://schemas.microsoft.com/office/drawing/2014/main" id="{B30E4F7F-937F-8DC2-DD53-71E3ACF37BE1}"/>
+                <a16:creationId xmlns:a16="http://schemas.microsoft.com/office/drawing/2014/main" id="{008A9E5A-A51B-0624-E003-3C7176939664}"/>
               </a:ext>
             </a:extLst>
           </p:cNvPr>
@@ -306,7 +306,7 @@
           <a:bodyPr/>
           <a:lstStyle/>
           <a:p>
-            <a:fld id="{A468D570-EFAD-45B1-9BEE-5205C681D7CB}" type="slidenum">
+            <a:fld id="{C8E441E7-E9C3-46D3-A078-FE412F84DBEF}" type="slidenum">
               <a:rPr lang="zh-CN" altLang="en-US" smtClean="0"/>
               <a:t>‹#›</a:t>
             </a:fld>
@@ -317,7 +317,7 @@
     </p:spTree>
     <p:extLst>
       <p:ext uri="{BB962C8B-B14F-4D97-AF65-F5344CB8AC3E}">
-        <p14:creationId xmlns:p14="http://schemas.microsoft.com/office/powerpoint/2010/main" val="3465674272"/>
+        <p14:creationId xmlns:p14="http://schemas.microsoft.com/office/powerpoint/2010/main" val="786884488"/>
       </p:ext>
     </p:extLst>
   </p:cSld>
@@ -349,7 +349,7 @@
           <p:cNvPr id="2" name="标题 1">
             <a:extLst>
               <a:ext uri="{FF2B5EF4-FFF2-40B4-BE49-F238E27FC236}">
-                <a16:creationId xmlns:a16="http://schemas.microsoft.com/office/drawing/2014/main" id="{06B0FECA-3F57-C288-076E-88D1D89D9045}"/>
+                <a16:creationId xmlns:a16="http://schemas.microsoft.com/office/drawing/2014/main" id="{5DF56AA5-D526-EBBD-EBC5-015EA5C383A2}"/>
               </a:ext>
             </a:extLst>
           </p:cNvPr>
@@ -377,7 +377,7 @@
           <p:cNvPr id="3" name="竖排文字占位符 2">
             <a:extLst>
               <a:ext uri="{FF2B5EF4-FFF2-40B4-BE49-F238E27FC236}">
-                <a16:creationId xmlns:a16="http://schemas.microsoft.com/office/drawing/2014/main" id="{8C7205B8-A60B-F588-4EB4-E59A2EC39DF8}"/>
+                <a16:creationId xmlns:a16="http://schemas.microsoft.com/office/drawing/2014/main" id="{2027C64A-0194-38B3-DC5E-C1A9F02E4B6D}"/>
               </a:ext>
             </a:extLst>
           </p:cNvPr>
@@ -434,7 +434,7 @@
           <p:cNvPr id="4" name="日期占位符 3">
             <a:extLst>
               <a:ext uri="{FF2B5EF4-FFF2-40B4-BE49-F238E27FC236}">
-                <a16:creationId xmlns:a16="http://schemas.microsoft.com/office/drawing/2014/main" id="{658B9E5C-689F-337E-17BA-8152A493762F}"/>
+                <a16:creationId xmlns:a16="http://schemas.microsoft.com/office/drawing/2014/main" id="{3293C958-ECF1-9D19-7597-973D9F24592E}"/>
               </a:ext>
             </a:extLst>
           </p:cNvPr>
@@ -450,7 +450,7 @@
           <a:bodyPr/>
           <a:lstStyle/>
           <a:p>
-            <a:fld id="{1B2CA55D-B910-4769-83E9-1A1572BBE897}" type="datetimeFigureOut">
+            <a:fld id="{C153205C-E15B-4F17-83FE-C2174B057DB5}" type="datetimeFigureOut">
               <a:rPr lang="zh-CN" altLang="en-US" smtClean="0"/>
               <a:t>2024/3/10</a:t>
             </a:fld>
@@ -463,7 +463,7 @@
           <p:cNvPr id="5" name="页脚占位符 4">
             <a:extLst>
               <a:ext uri="{FF2B5EF4-FFF2-40B4-BE49-F238E27FC236}">
-                <a16:creationId xmlns:a16="http://schemas.microsoft.com/office/drawing/2014/main" id="{D95DA83E-60F7-2DD1-B996-A12D7F1C2C9A}"/>
+                <a16:creationId xmlns:a16="http://schemas.microsoft.com/office/drawing/2014/main" id="{1CC64F7F-4733-3E6A-5114-3F52CCD10BB9}"/>
               </a:ext>
             </a:extLst>
           </p:cNvPr>
@@ -488,7 +488,7 @@
           <p:cNvPr id="6" name="灯片编号占位符 5">
             <a:extLst>
               <a:ext uri="{FF2B5EF4-FFF2-40B4-BE49-F238E27FC236}">
-                <a16:creationId xmlns:a16="http://schemas.microsoft.com/office/drawing/2014/main" id="{87FBD253-ABC4-ED76-A1C6-314DF967631B}"/>
+                <a16:creationId xmlns:a16="http://schemas.microsoft.com/office/drawing/2014/main" id="{D1C270BC-1619-7FE4-0238-3A5798FEEDB8}"/>
               </a:ext>
             </a:extLst>
           </p:cNvPr>
@@ -504,7 +504,7 @@
           <a:bodyPr/>
           <a:lstStyle/>
           <a:p>
-            <a:fld id="{A468D570-EFAD-45B1-9BEE-5205C681D7CB}" type="slidenum">
+            <a:fld id="{C8E441E7-E9C3-46D3-A078-FE412F84DBEF}" type="slidenum">
               <a:rPr lang="zh-CN" altLang="en-US" smtClean="0"/>
               <a:t>‹#›</a:t>
             </a:fld>
@@ -515,7 +515,7 @@
     </p:spTree>
     <p:extLst>
       <p:ext uri="{BB962C8B-B14F-4D97-AF65-F5344CB8AC3E}">
-        <p14:creationId xmlns:p14="http://schemas.microsoft.com/office/powerpoint/2010/main" val="3743561080"/>
+        <p14:creationId xmlns:p14="http://schemas.microsoft.com/office/powerpoint/2010/main" val="2460833820"/>
       </p:ext>
     </p:extLst>
   </p:cSld>
@@ -547,7 +547,7 @@
           <p:cNvPr id="2" name="竖排标题 1">
             <a:extLst>
               <a:ext uri="{FF2B5EF4-FFF2-40B4-BE49-F238E27FC236}">
-                <a16:creationId xmlns:a16="http://schemas.microsoft.com/office/drawing/2014/main" id="{E069D96E-CADA-5791-7753-8C2C3EC68BD4}"/>
+                <a16:creationId xmlns:a16="http://schemas.microsoft.com/office/drawing/2014/main" id="{13CFEE8C-51A6-9193-F2C6-A79AB71E3009}"/>
               </a:ext>
             </a:extLst>
           </p:cNvPr>
@@ -580,7 +580,7 @@
           <p:cNvPr id="3" name="竖排文字占位符 2">
             <a:extLst>
               <a:ext uri="{FF2B5EF4-FFF2-40B4-BE49-F238E27FC236}">
-                <a16:creationId xmlns:a16="http://schemas.microsoft.com/office/drawing/2014/main" id="{3E3991A1-8CCA-FFCA-155A-276ABA475A25}"/>
+                <a16:creationId xmlns:a16="http://schemas.microsoft.com/office/drawing/2014/main" id="{1D6D79D0-A0D8-4270-148D-0FC29A39C3FB}"/>
               </a:ext>
             </a:extLst>
           </p:cNvPr>
@@ -642,7 +642,7 @@
           <p:cNvPr id="4" name="日期占位符 3">
             <a:extLst>
               <a:ext uri="{FF2B5EF4-FFF2-40B4-BE49-F238E27FC236}">
-                <a16:creationId xmlns:a16="http://schemas.microsoft.com/office/drawing/2014/main" id="{C2E297F2-178A-94F1-9EF4-88F052B0DE22}"/>
+                <a16:creationId xmlns:a16="http://schemas.microsoft.com/office/drawing/2014/main" id="{A2FAB0F2-D404-55F4-87DE-714C3CB725D8}"/>
               </a:ext>
             </a:extLst>
           </p:cNvPr>
@@ -658,7 +658,7 @@
           <a:bodyPr/>
           <a:lstStyle/>
           <a:p>
-            <a:fld id="{1B2CA55D-B910-4769-83E9-1A1572BBE897}" type="datetimeFigureOut">
+            <a:fld id="{C153205C-E15B-4F17-83FE-C2174B057DB5}" type="datetimeFigureOut">
               <a:rPr lang="zh-CN" altLang="en-US" smtClean="0"/>
               <a:t>2024/3/10</a:t>
             </a:fld>
@@ -671,7 +671,7 @@
           <p:cNvPr id="5" name="页脚占位符 4">
             <a:extLst>
               <a:ext uri="{FF2B5EF4-FFF2-40B4-BE49-F238E27FC236}">
-                <a16:creationId xmlns:a16="http://schemas.microsoft.com/office/drawing/2014/main" id="{97E7089E-5CBF-972A-5F28-49DA9B3D64C1}"/>
+                <a16:creationId xmlns:a16="http://schemas.microsoft.com/office/drawing/2014/main" id="{D2E66B39-22D3-5108-0E97-A39329BA8415}"/>
               </a:ext>
             </a:extLst>
           </p:cNvPr>
@@ -696,7 +696,7 @@
           <p:cNvPr id="6" name="灯片编号占位符 5">
             <a:extLst>
               <a:ext uri="{FF2B5EF4-FFF2-40B4-BE49-F238E27FC236}">
-                <a16:creationId xmlns:a16="http://schemas.microsoft.com/office/drawing/2014/main" id="{E1252218-FDCC-3EFD-E7C4-BBFD39DEF39B}"/>
+                <a16:creationId xmlns:a16="http://schemas.microsoft.com/office/drawing/2014/main" id="{01075A4D-9CF3-0ABA-65FD-A1523A8D5800}"/>
               </a:ext>
             </a:extLst>
           </p:cNvPr>
@@ -712,7 +712,7 @@
           <a:bodyPr/>
           <a:lstStyle/>
           <a:p>
-            <a:fld id="{A468D570-EFAD-45B1-9BEE-5205C681D7CB}" type="slidenum">
+            <a:fld id="{C8E441E7-E9C3-46D3-A078-FE412F84DBEF}" type="slidenum">
               <a:rPr lang="zh-CN" altLang="en-US" smtClean="0"/>
               <a:t>‹#›</a:t>
             </a:fld>
@@ -723,7 +723,7 @@
     </p:spTree>
     <p:extLst>
       <p:ext uri="{BB962C8B-B14F-4D97-AF65-F5344CB8AC3E}">
-        <p14:creationId xmlns:p14="http://schemas.microsoft.com/office/powerpoint/2010/main" val="767390782"/>
+        <p14:creationId xmlns:p14="http://schemas.microsoft.com/office/powerpoint/2010/main" val="2509149551"/>
       </p:ext>
     </p:extLst>
   </p:cSld>
@@ -755,7 +755,7 @@
           <p:cNvPr id="2" name="标题 1">
             <a:extLst>
               <a:ext uri="{FF2B5EF4-FFF2-40B4-BE49-F238E27FC236}">
-                <a16:creationId xmlns:a16="http://schemas.microsoft.com/office/drawing/2014/main" id="{2F43C2E4-D4B2-3490-FAD6-7BD589B75EBC}"/>
+                <a16:creationId xmlns:a16="http://schemas.microsoft.com/office/drawing/2014/main" id="{09D5ACDB-4CBC-70AB-C2FB-472DB16C2530}"/>
               </a:ext>
             </a:extLst>
           </p:cNvPr>
@@ -783,7 +783,7 @@
           <p:cNvPr id="3" name="内容占位符 2">
             <a:extLst>
               <a:ext uri="{FF2B5EF4-FFF2-40B4-BE49-F238E27FC236}">
-                <a16:creationId xmlns:a16="http://schemas.microsoft.com/office/drawing/2014/main" id="{286AF685-2B0C-A88B-0614-572CE86F930D}"/>
+                <a16:creationId xmlns:a16="http://schemas.microsoft.com/office/drawing/2014/main" id="{5B8A03C6-8B09-D433-032A-18BA2A0AC0AC}"/>
               </a:ext>
             </a:extLst>
           </p:cNvPr>
@@ -840,7 +840,7 @@
           <p:cNvPr id="4" name="日期占位符 3">
             <a:extLst>
               <a:ext uri="{FF2B5EF4-FFF2-40B4-BE49-F238E27FC236}">
-                <a16:creationId xmlns:a16="http://schemas.microsoft.com/office/drawing/2014/main" id="{4E8EF128-4E71-C4B7-658D-5A043A8E02CF}"/>
+                <a16:creationId xmlns:a16="http://schemas.microsoft.com/office/drawing/2014/main" id="{C24E7C30-7443-FB97-38F4-5569A33F054F}"/>
               </a:ext>
             </a:extLst>
           </p:cNvPr>
@@ -856,7 +856,7 @@
           <a:bodyPr/>
           <a:lstStyle/>
           <a:p>
-            <a:fld id="{1B2CA55D-B910-4769-83E9-1A1572BBE897}" type="datetimeFigureOut">
+            <a:fld id="{C153205C-E15B-4F17-83FE-C2174B057DB5}" type="datetimeFigureOut">
               <a:rPr lang="zh-CN" altLang="en-US" smtClean="0"/>
               <a:t>2024/3/10</a:t>
             </a:fld>
@@ -869,7 +869,7 @@
           <p:cNvPr id="5" name="页脚占位符 4">
             <a:extLst>
               <a:ext uri="{FF2B5EF4-FFF2-40B4-BE49-F238E27FC236}">
-                <a16:creationId xmlns:a16="http://schemas.microsoft.com/office/drawing/2014/main" id="{62E6A3B6-E7E1-3F5C-F1AF-7FC0A5EC8975}"/>
+                <a16:creationId xmlns:a16="http://schemas.microsoft.com/office/drawing/2014/main" id="{0E448560-3BF5-0FEC-C5EE-A53DA106BD82}"/>
               </a:ext>
             </a:extLst>
           </p:cNvPr>
@@ -894,7 +894,7 @@
           <p:cNvPr id="6" name="灯片编号占位符 5">
             <a:extLst>
               <a:ext uri="{FF2B5EF4-FFF2-40B4-BE49-F238E27FC236}">
-                <a16:creationId xmlns:a16="http://schemas.microsoft.com/office/drawing/2014/main" id="{A7DB9672-AFD4-9FD8-86C2-BDA537E24298}"/>
+                <a16:creationId xmlns:a16="http://schemas.microsoft.com/office/drawing/2014/main" id="{DFD96620-9BBA-F2FC-AC8D-D3501CC6B541}"/>
               </a:ext>
             </a:extLst>
           </p:cNvPr>
@@ -910,7 +910,7 @@
           <a:bodyPr/>
           <a:lstStyle/>
           <a:p>
-            <a:fld id="{A468D570-EFAD-45B1-9BEE-5205C681D7CB}" type="slidenum">
+            <a:fld id="{C8E441E7-E9C3-46D3-A078-FE412F84DBEF}" type="slidenum">
               <a:rPr lang="zh-CN" altLang="en-US" smtClean="0"/>
               <a:t>‹#›</a:t>
             </a:fld>
@@ -921,7 +921,7 @@
     </p:spTree>
     <p:extLst>
       <p:ext uri="{BB962C8B-B14F-4D97-AF65-F5344CB8AC3E}">
-        <p14:creationId xmlns:p14="http://schemas.microsoft.com/office/powerpoint/2010/main" val="1794975681"/>
+        <p14:creationId xmlns:p14="http://schemas.microsoft.com/office/powerpoint/2010/main" val="3093765665"/>
       </p:ext>
     </p:extLst>
   </p:cSld>
@@ -953,7 +953,7 @@
           <p:cNvPr id="2" name="标题 1">
             <a:extLst>
               <a:ext uri="{FF2B5EF4-FFF2-40B4-BE49-F238E27FC236}">
-                <a16:creationId xmlns:a16="http://schemas.microsoft.com/office/drawing/2014/main" id="{79F332F2-D5E8-FB06-2614-3BB1EBF0FC0F}"/>
+                <a16:creationId xmlns:a16="http://schemas.microsoft.com/office/drawing/2014/main" id="{950CBEE3-5C3B-934A-93AE-0686767FA728}"/>
               </a:ext>
             </a:extLst>
           </p:cNvPr>
@@ -990,7 +990,7 @@
           <p:cNvPr id="3" name="文本占位符 2">
             <a:extLst>
               <a:ext uri="{FF2B5EF4-FFF2-40B4-BE49-F238E27FC236}">
-                <a16:creationId xmlns:a16="http://schemas.microsoft.com/office/drawing/2014/main" id="{77DD06A3-0F90-5B13-F57B-DC62A6B6C193}"/>
+                <a16:creationId xmlns:a16="http://schemas.microsoft.com/office/drawing/2014/main" id="{BAE1E42D-2FFD-25FC-7F13-7AF3955D0F7E}"/>
               </a:ext>
             </a:extLst>
           </p:cNvPr>
@@ -1115,7 +1115,7 @@
           <p:cNvPr id="4" name="日期占位符 3">
             <a:extLst>
               <a:ext uri="{FF2B5EF4-FFF2-40B4-BE49-F238E27FC236}">
-                <a16:creationId xmlns:a16="http://schemas.microsoft.com/office/drawing/2014/main" id="{EBE05AE5-4D93-FE17-8115-87AD640B83AA}"/>
+                <a16:creationId xmlns:a16="http://schemas.microsoft.com/office/drawing/2014/main" id="{BD2B421E-5726-0CA1-90ED-AE07FB50467D}"/>
               </a:ext>
             </a:extLst>
           </p:cNvPr>
@@ -1131,7 +1131,7 @@
           <a:bodyPr/>
           <a:lstStyle/>
           <a:p>
-            <a:fld id="{1B2CA55D-B910-4769-83E9-1A1572BBE897}" type="datetimeFigureOut">
+            <a:fld id="{C153205C-E15B-4F17-83FE-C2174B057DB5}" type="datetimeFigureOut">
               <a:rPr lang="zh-CN" altLang="en-US" smtClean="0"/>
               <a:t>2024/3/10</a:t>
             </a:fld>
@@ -1144,7 +1144,7 @@
           <p:cNvPr id="5" name="页脚占位符 4">
             <a:extLst>
               <a:ext uri="{FF2B5EF4-FFF2-40B4-BE49-F238E27FC236}">
-                <a16:creationId xmlns:a16="http://schemas.microsoft.com/office/drawing/2014/main" id="{9688C0C1-3C91-6116-9C85-5626F784B962}"/>
+                <a16:creationId xmlns:a16="http://schemas.microsoft.com/office/drawing/2014/main" id="{0974B47E-A898-05D6-8A9C-9C4F4208745D}"/>
               </a:ext>
             </a:extLst>
           </p:cNvPr>
@@ -1169,7 +1169,7 @@
           <p:cNvPr id="6" name="灯片编号占位符 5">
             <a:extLst>
               <a:ext uri="{FF2B5EF4-FFF2-40B4-BE49-F238E27FC236}">
-                <a16:creationId xmlns:a16="http://schemas.microsoft.com/office/drawing/2014/main" id="{55F51F55-6077-F357-7CAD-D7FDF3EC5409}"/>
+                <a16:creationId xmlns:a16="http://schemas.microsoft.com/office/drawing/2014/main" id="{8E76F01F-6582-8C4C-27BA-D696219F6EA0}"/>
               </a:ext>
             </a:extLst>
           </p:cNvPr>
@@ -1185,7 +1185,7 @@
           <a:bodyPr/>
           <a:lstStyle/>
           <a:p>
-            <a:fld id="{A468D570-EFAD-45B1-9BEE-5205C681D7CB}" type="slidenum">
+            <a:fld id="{C8E441E7-E9C3-46D3-A078-FE412F84DBEF}" type="slidenum">
               <a:rPr lang="zh-CN" altLang="en-US" smtClean="0"/>
               <a:t>‹#›</a:t>
             </a:fld>
@@ -1196,7 +1196,7 @@
     </p:spTree>
     <p:extLst>
       <p:ext uri="{BB962C8B-B14F-4D97-AF65-F5344CB8AC3E}">
-        <p14:creationId xmlns:p14="http://schemas.microsoft.com/office/powerpoint/2010/main" val="2593487258"/>
+        <p14:creationId xmlns:p14="http://schemas.microsoft.com/office/powerpoint/2010/main" val="1144649581"/>
       </p:ext>
     </p:extLst>
   </p:cSld>
@@ -1228,7 +1228,7 @@
           <p:cNvPr id="2" name="标题 1">
             <a:extLst>
               <a:ext uri="{FF2B5EF4-FFF2-40B4-BE49-F238E27FC236}">
-                <a16:creationId xmlns:a16="http://schemas.microsoft.com/office/drawing/2014/main" id="{029A1BC5-77EA-5DB1-5F83-ED6512E434C2}"/>
+                <a16:creationId xmlns:a16="http://schemas.microsoft.com/office/drawing/2014/main" id="{2098B709-EE0D-03F4-41C3-DEB3145C4BB8}"/>
               </a:ext>
             </a:extLst>
           </p:cNvPr>
@@ -1256,7 +1256,7 @@
           <p:cNvPr id="3" name="内容占位符 2">
             <a:extLst>
               <a:ext uri="{FF2B5EF4-FFF2-40B4-BE49-F238E27FC236}">
-                <a16:creationId xmlns:a16="http://schemas.microsoft.com/office/drawing/2014/main" id="{36F6034D-53F9-2761-BD39-4B06A4975A70}"/>
+                <a16:creationId xmlns:a16="http://schemas.microsoft.com/office/drawing/2014/main" id="{49703E53-F517-5040-0661-6D806C8252CE}"/>
               </a:ext>
             </a:extLst>
           </p:cNvPr>
@@ -1318,7 +1318,7 @@
           <p:cNvPr id="4" name="内容占位符 3">
             <a:extLst>
               <a:ext uri="{FF2B5EF4-FFF2-40B4-BE49-F238E27FC236}">
-                <a16:creationId xmlns:a16="http://schemas.microsoft.com/office/drawing/2014/main" id="{7FF6280A-C4BE-9864-6222-D2249B480E71}"/>
+                <a16:creationId xmlns:a16="http://schemas.microsoft.com/office/drawing/2014/main" id="{32A52F44-2D1B-BA7D-2B4B-FCB88E7D58C6}"/>
               </a:ext>
             </a:extLst>
           </p:cNvPr>
@@ -1380,7 +1380,7 @@
           <p:cNvPr id="5" name="日期占位符 4">
             <a:extLst>
               <a:ext uri="{FF2B5EF4-FFF2-40B4-BE49-F238E27FC236}">
-                <a16:creationId xmlns:a16="http://schemas.microsoft.com/office/drawing/2014/main" id="{87FAB91D-BD61-5EB5-5B30-3834192A254E}"/>
+                <a16:creationId xmlns:a16="http://schemas.microsoft.com/office/drawing/2014/main" id="{3C7E63CB-853D-0632-58FE-39B412433148}"/>
               </a:ext>
             </a:extLst>
           </p:cNvPr>
@@ -1396,7 +1396,7 @@
           <a:bodyPr/>
           <a:lstStyle/>
           <a:p>
-            <a:fld id="{1B2CA55D-B910-4769-83E9-1A1572BBE897}" type="datetimeFigureOut">
+            <a:fld id="{C153205C-E15B-4F17-83FE-C2174B057DB5}" type="datetimeFigureOut">
               <a:rPr lang="zh-CN" altLang="en-US" smtClean="0"/>
               <a:t>2024/3/10</a:t>
             </a:fld>
@@ -1409,7 +1409,7 @@
           <p:cNvPr id="6" name="页脚占位符 5">
             <a:extLst>
               <a:ext uri="{FF2B5EF4-FFF2-40B4-BE49-F238E27FC236}">
-                <a16:creationId xmlns:a16="http://schemas.microsoft.com/office/drawing/2014/main" id="{CAEDC894-312B-95D2-8FA4-5576599F7454}"/>
+                <a16:creationId xmlns:a16="http://schemas.microsoft.com/office/drawing/2014/main" id="{2F61070C-2363-6DF0-5862-27E873401058}"/>
               </a:ext>
             </a:extLst>
           </p:cNvPr>
@@ -1434,7 +1434,7 @@
           <p:cNvPr id="7" name="灯片编号占位符 6">
             <a:extLst>
               <a:ext uri="{FF2B5EF4-FFF2-40B4-BE49-F238E27FC236}">
-                <a16:creationId xmlns:a16="http://schemas.microsoft.com/office/drawing/2014/main" id="{96F6E27D-0AFB-6816-823E-D06C8EBA8BCF}"/>
+                <a16:creationId xmlns:a16="http://schemas.microsoft.com/office/drawing/2014/main" id="{02FB6089-E5D1-B9B5-51CC-FC96426F9A23}"/>
               </a:ext>
             </a:extLst>
           </p:cNvPr>
@@ -1450,7 +1450,7 @@
           <a:bodyPr/>
           <a:lstStyle/>
           <a:p>
-            <a:fld id="{A468D570-EFAD-45B1-9BEE-5205C681D7CB}" type="slidenum">
+            <a:fld id="{C8E441E7-E9C3-46D3-A078-FE412F84DBEF}" type="slidenum">
               <a:rPr lang="zh-CN" altLang="en-US" smtClean="0"/>
               <a:t>‹#›</a:t>
             </a:fld>
@@ -1461,7 +1461,7 @@
     </p:spTree>
     <p:extLst>
       <p:ext uri="{BB962C8B-B14F-4D97-AF65-F5344CB8AC3E}">
-        <p14:creationId xmlns:p14="http://schemas.microsoft.com/office/powerpoint/2010/main" val="1191740647"/>
+        <p14:creationId xmlns:p14="http://schemas.microsoft.com/office/powerpoint/2010/main" val="4126048784"/>
       </p:ext>
     </p:extLst>
   </p:cSld>
@@ -1493,7 +1493,7 @@
           <p:cNvPr id="2" name="标题 1">
             <a:extLst>
               <a:ext uri="{FF2B5EF4-FFF2-40B4-BE49-F238E27FC236}">
-                <a16:creationId xmlns:a16="http://schemas.microsoft.com/office/drawing/2014/main" id="{0867EFD3-316F-9C7E-BC66-827653E3C3C6}"/>
+                <a16:creationId xmlns:a16="http://schemas.microsoft.com/office/drawing/2014/main" id="{1A46E43E-753E-AD93-3BBA-D0BE491F5F34}"/>
               </a:ext>
             </a:extLst>
           </p:cNvPr>
@@ -1526,7 +1526,7 @@
           <p:cNvPr id="3" name="文本占位符 2">
             <a:extLst>
               <a:ext uri="{FF2B5EF4-FFF2-40B4-BE49-F238E27FC236}">
-                <a16:creationId xmlns:a16="http://schemas.microsoft.com/office/drawing/2014/main" id="{9B370626-7993-D5F4-C6AD-1AB8B2133063}"/>
+                <a16:creationId xmlns:a16="http://schemas.microsoft.com/office/drawing/2014/main" id="{9C87F956-F4CF-5F97-B4F7-40AE237824AF}"/>
               </a:ext>
             </a:extLst>
           </p:cNvPr>
@@ -1597,7 +1597,7 @@
           <p:cNvPr id="4" name="内容占位符 3">
             <a:extLst>
               <a:ext uri="{FF2B5EF4-FFF2-40B4-BE49-F238E27FC236}">
-                <a16:creationId xmlns:a16="http://schemas.microsoft.com/office/drawing/2014/main" id="{11F6750A-F83D-EA8F-0C85-2CCB420A1A86}"/>
+                <a16:creationId xmlns:a16="http://schemas.microsoft.com/office/drawing/2014/main" id="{E691AC67-3B1D-E8B7-B3EE-F49D3CE14C2C}"/>
               </a:ext>
             </a:extLst>
           </p:cNvPr>
@@ -1659,7 +1659,7 @@
           <p:cNvPr id="5" name="文本占位符 4">
             <a:extLst>
               <a:ext uri="{FF2B5EF4-FFF2-40B4-BE49-F238E27FC236}">
-                <a16:creationId xmlns:a16="http://schemas.microsoft.com/office/drawing/2014/main" id="{6F7B3881-F160-BC54-8F6E-7DC83BC777CA}"/>
+                <a16:creationId xmlns:a16="http://schemas.microsoft.com/office/drawing/2014/main" id="{BEEF1D21-70E7-7CCF-F998-08B7933E2B9E}"/>
               </a:ext>
             </a:extLst>
           </p:cNvPr>
@@ -1730,7 +1730,7 @@
           <p:cNvPr id="6" name="内容占位符 5">
             <a:extLst>
               <a:ext uri="{FF2B5EF4-FFF2-40B4-BE49-F238E27FC236}">
-                <a16:creationId xmlns:a16="http://schemas.microsoft.com/office/drawing/2014/main" id="{F0583193-7E47-4D4A-4626-BDB266BB64EF}"/>
+                <a16:creationId xmlns:a16="http://schemas.microsoft.com/office/drawing/2014/main" id="{CDAB1032-1A8C-5994-CC78-5F97BEB43E77}"/>
               </a:ext>
             </a:extLst>
           </p:cNvPr>
@@ -1792,7 +1792,7 @@
           <p:cNvPr id="7" name="日期占位符 6">
             <a:extLst>
               <a:ext uri="{FF2B5EF4-FFF2-40B4-BE49-F238E27FC236}">
-                <a16:creationId xmlns:a16="http://schemas.microsoft.com/office/drawing/2014/main" id="{0DBC9773-7C25-1877-A1C8-555769188E47}"/>
+                <a16:creationId xmlns:a16="http://schemas.microsoft.com/office/drawing/2014/main" id="{CA0728AE-89DE-89FB-F034-5F47291061C4}"/>
               </a:ext>
             </a:extLst>
           </p:cNvPr>
@@ -1808,7 +1808,7 @@
           <a:bodyPr/>
           <a:lstStyle/>
           <a:p>
-            <a:fld id="{1B2CA55D-B910-4769-83E9-1A1572BBE897}" type="datetimeFigureOut">
+            <a:fld id="{C153205C-E15B-4F17-83FE-C2174B057DB5}" type="datetimeFigureOut">
               <a:rPr lang="zh-CN" altLang="en-US" smtClean="0"/>
               <a:t>2024/3/10</a:t>
             </a:fld>
@@ -1821,7 +1821,7 @@
           <p:cNvPr id="8" name="页脚占位符 7">
             <a:extLst>
               <a:ext uri="{FF2B5EF4-FFF2-40B4-BE49-F238E27FC236}">
-                <a16:creationId xmlns:a16="http://schemas.microsoft.com/office/drawing/2014/main" id="{AD9B664F-B5ED-AB04-07FD-0AAA47C112B1}"/>
+                <a16:creationId xmlns:a16="http://schemas.microsoft.com/office/drawing/2014/main" id="{F12A1F18-10C8-7BBF-60E3-422B8FD12C6A}"/>
               </a:ext>
             </a:extLst>
           </p:cNvPr>
@@ -1846,7 +1846,7 @@
           <p:cNvPr id="9" name="灯片编号占位符 8">
             <a:extLst>
               <a:ext uri="{FF2B5EF4-FFF2-40B4-BE49-F238E27FC236}">
-                <a16:creationId xmlns:a16="http://schemas.microsoft.com/office/drawing/2014/main" id="{C197F403-1A29-86E4-24E0-C0DA37DAF296}"/>
+                <a16:creationId xmlns:a16="http://schemas.microsoft.com/office/drawing/2014/main" id="{8AB6D776-E2AF-99DD-DE1D-40A8546AA18D}"/>
               </a:ext>
             </a:extLst>
           </p:cNvPr>
@@ -1862,7 +1862,7 @@
           <a:bodyPr/>
           <a:lstStyle/>
           <a:p>
-            <a:fld id="{A468D570-EFAD-45B1-9BEE-5205C681D7CB}" type="slidenum">
+            <a:fld id="{C8E441E7-E9C3-46D3-A078-FE412F84DBEF}" type="slidenum">
               <a:rPr lang="zh-CN" altLang="en-US" smtClean="0"/>
               <a:t>‹#›</a:t>
             </a:fld>
@@ -1873,7 +1873,7 @@
     </p:spTree>
     <p:extLst>
       <p:ext uri="{BB962C8B-B14F-4D97-AF65-F5344CB8AC3E}">
-        <p14:creationId xmlns:p14="http://schemas.microsoft.com/office/powerpoint/2010/main" val="2806690640"/>
+        <p14:creationId xmlns:p14="http://schemas.microsoft.com/office/powerpoint/2010/main" val="3969726508"/>
       </p:ext>
     </p:extLst>
   </p:cSld>
@@ -1905,7 +1905,7 @@
           <p:cNvPr id="2" name="标题 1">
             <a:extLst>
               <a:ext uri="{FF2B5EF4-FFF2-40B4-BE49-F238E27FC236}">
-                <a16:creationId xmlns:a16="http://schemas.microsoft.com/office/drawing/2014/main" id="{58B99E8C-C03B-7531-D1D5-C68D839E2672}"/>
+                <a16:creationId xmlns:a16="http://schemas.microsoft.com/office/drawing/2014/main" id="{D15396EC-AFA6-8D8F-482A-D519250885CF}"/>
               </a:ext>
             </a:extLst>
           </p:cNvPr>
@@ -1933,7 +1933,7 @@
           <p:cNvPr id="3" name="日期占位符 2">
             <a:extLst>
               <a:ext uri="{FF2B5EF4-FFF2-40B4-BE49-F238E27FC236}">
-                <a16:creationId xmlns:a16="http://schemas.microsoft.com/office/drawing/2014/main" id="{755F3AD1-EBED-ADC3-0519-BB9E297C4BDE}"/>
+                <a16:creationId xmlns:a16="http://schemas.microsoft.com/office/drawing/2014/main" id="{190C1D27-1194-DAEB-EE5E-FACD141B9A54}"/>
               </a:ext>
             </a:extLst>
           </p:cNvPr>
@@ -1949,7 +1949,7 @@
           <a:bodyPr/>
           <a:lstStyle/>
           <a:p>
-            <a:fld id="{1B2CA55D-B910-4769-83E9-1A1572BBE897}" type="datetimeFigureOut">
+            <a:fld id="{C153205C-E15B-4F17-83FE-C2174B057DB5}" type="datetimeFigureOut">
               <a:rPr lang="zh-CN" altLang="en-US" smtClean="0"/>
               <a:t>2024/3/10</a:t>
             </a:fld>
@@ -1962,7 +1962,7 @@
           <p:cNvPr id="4" name="页脚占位符 3">
             <a:extLst>
               <a:ext uri="{FF2B5EF4-FFF2-40B4-BE49-F238E27FC236}">
-                <a16:creationId xmlns:a16="http://schemas.microsoft.com/office/drawing/2014/main" id="{229B85F3-988E-0197-8306-E2DF451C46D9}"/>
+                <a16:creationId xmlns:a16="http://schemas.microsoft.com/office/drawing/2014/main" id="{C93FFC50-4EF8-ED3B-95BB-CB28ED9AA330}"/>
               </a:ext>
             </a:extLst>
           </p:cNvPr>
@@ -1987,7 +1987,7 @@
           <p:cNvPr id="5" name="灯片编号占位符 4">
             <a:extLst>
               <a:ext uri="{FF2B5EF4-FFF2-40B4-BE49-F238E27FC236}">
-                <a16:creationId xmlns:a16="http://schemas.microsoft.com/office/drawing/2014/main" id="{F8321778-86D4-99E5-D095-856706C8F62D}"/>
+                <a16:creationId xmlns:a16="http://schemas.microsoft.com/office/drawing/2014/main" id="{C8D9B4C0-2BD8-BDB4-D154-5D4FF7C686AF}"/>
               </a:ext>
             </a:extLst>
           </p:cNvPr>
@@ -2003,7 +2003,7 @@
           <a:bodyPr/>
           <a:lstStyle/>
           <a:p>
-            <a:fld id="{A468D570-EFAD-45B1-9BEE-5205C681D7CB}" type="slidenum">
+            <a:fld id="{C8E441E7-E9C3-46D3-A078-FE412F84DBEF}" type="slidenum">
               <a:rPr lang="zh-CN" altLang="en-US" smtClean="0"/>
               <a:t>‹#›</a:t>
             </a:fld>
@@ -2014,7 +2014,7 @@
     </p:spTree>
     <p:extLst>
       <p:ext uri="{BB962C8B-B14F-4D97-AF65-F5344CB8AC3E}">
-        <p14:creationId xmlns:p14="http://schemas.microsoft.com/office/powerpoint/2010/main" val="2495050022"/>
+        <p14:creationId xmlns:p14="http://schemas.microsoft.com/office/powerpoint/2010/main" val="2038798751"/>
       </p:ext>
     </p:extLst>
   </p:cSld>
@@ -2046,7 +2046,7 @@
           <p:cNvPr id="2" name="日期占位符 1">
             <a:extLst>
               <a:ext uri="{FF2B5EF4-FFF2-40B4-BE49-F238E27FC236}">
-                <a16:creationId xmlns:a16="http://schemas.microsoft.com/office/drawing/2014/main" id="{98B87634-5443-348C-6A33-357F0D812AF9}"/>
+                <a16:creationId xmlns:a16="http://schemas.microsoft.com/office/drawing/2014/main" id="{F71A2CE1-A277-1A8F-FDB2-8CAD9AD772D5}"/>
               </a:ext>
             </a:extLst>
           </p:cNvPr>
@@ -2062,7 +2062,7 @@
           <a:bodyPr/>
           <a:lstStyle/>
           <a:p>
-            <a:fld id="{1B2CA55D-B910-4769-83E9-1A1572BBE897}" type="datetimeFigureOut">
+            <a:fld id="{C153205C-E15B-4F17-83FE-C2174B057DB5}" type="datetimeFigureOut">
               <a:rPr lang="zh-CN" altLang="en-US" smtClean="0"/>
               <a:t>2024/3/10</a:t>
             </a:fld>
@@ -2075,7 +2075,7 @@
           <p:cNvPr id="3" name="页脚占位符 2">
             <a:extLst>
               <a:ext uri="{FF2B5EF4-FFF2-40B4-BE49-F238E27FC236}">
-                <a16:creationId xmlns:a16="http://schemas.microsoft.com/office/drawing/2014/main" id="{C6FC4915-7FAA-5CCE-B3D8-510CB1D50817}"/>
+                <a16:creationId xmlns:a16="http://schemas.microsoft.com/office/drawing/2014/main" id="{C2C1FFBF-9C93-8AC4-5C89-1643FFC0F849}"/>
               </a:ext>
             </a:extLst>
           </p:cNvPr>
@@ -2100,7 +2100,7 @@
           <p:cNvPr id="4" name="灯片编号占位符 3">
             <a:extLst>
               <a:ext uri="{FF2B5EF4-FFF2-40B4-BE49-F238E27FC236}">
-                <a16:creationId xmlns:a16="http://schemas.microsoft.com/office/drawing/2014/main" id="{9A93680F-5B23-50D1-9ACE-4676A1CE372D}"/>
+                <a16:creationId xmlns:a16="http://schemas.microsoft.com/office/drawing/2014/main" id="{C35FD7A2-231E-E81B-4F09-093C47638DEB}"/>
               </a:ext>
             </a:extLst>
           </p:cNvPr>
@@ -2116,7 +2116,7 @@
           <a:bodyPr/>
           <a:lstStyle/>
           <a:p>
-            <a:fld id="{A468D570-EFAD-45B1-9BEE-5205C681D7CB}" type="slidenum">
+            <a:fld id="{C8E441E7-E9C3-46D3-A078-FE412F84DBEF}" type="slidenum">
               <a:rPr lang="zh-CN" altLang="en-US" smtClean="0"/>
               <a:t>‹#›</a:t>
             </a:fld>
@@ -2127,7 +2127,7 @@
     </p:spTree>
     <p:extLst>
       <p:ext uri="{BB962C8B-B14F-4D97-AF65-F5344CB8AC3E}">
-        <p14:creationId xmlns:p14="http://schemas.microsoft.com/office/powerpoint/2010/main" val="1742564767"/>
+        <p14:creationId xmlns:p14="http://schemas.microsoft.com/office/powerpoint/2010/main" val="3195564137"/>
       </p:ext>
     </p:extLst>
   </p:cSld>
@@ -2159,7 +2159,7 @@
           <p:cNvPr id="2" name="标题 1">
             <a:extLst>
               <a:ext uri="{FF2B5EF4-FFF2-40B4-BE49-F238E27FC236}">
-                <a16:creationId xmlns:a16="http://schemas.microsoft.com/office/drawing/2014/main" id="{695A40AB-B4FF-1AEB-345A-D8AD39E64A4E}"/>
+                <a16:creationId xmlns:a16="http://schemas.microsoft.com/office/drawing/2014/main" id="{455F3923-2E4B-D34D-8461-8518A4014AC9}"/>
               </a:ext>
             </a:extLst>
           </p:cNvPr>
@@ -2196,7 +2196,7 @@
           <p:cNvPr id="3" name="内容占位符 2">
             <a:extLst>
               <a:ext uri="{FF2B5EF4-FFF2-40B4-BE49-F238E27FC236}">
-                <a16:creationId xmlns:a16="http://schemas.microsoft.com/office/drawing/2014/main" id="{28A628D2-E9F1-9AD3-942F-604FE3FFB1E0}"/>
+                <a16:creationId xmlns:a16="http://schemas.microsoft.com/office/drawing/2014/main" id="{DD426E15-6C75-4896-8C17-9E29524B0870}"/>
               </a:ext>
             </a:extLst>
           </p:cNvPr>
@@ -2286,7 +2286,7 @@
           <p:cNvPr id="4" name="文本占位符 3">
             <a:extLst>
               <a:ext uri="{FF2B5EF4-FFF2-40B4-BE49-F238E27FC236}">
-                <a16:creationId xmlns:a16="http://schemas.microsoft.com/office/drawing/2014/main" id="{0C1EFC02-F168-C3E2-59EC-F1B8986AB956}"/>
+                <a16:creationId xmlns:a16="http://schemas.microsoft.com/office/drawing/2014/main" id="{098EF90B-D775-4F11-4680-4CE249B51F89}"/>
               </a:ext>
             </a:extLst>
           </p:cNvPr>
@@ -2357,7 +2357,7 @@
           <p:cNvPr id="5" name="日期占位符 4">
             <a:extLst>
               <a:ext uri="{FF2B5EF4-FFF2-40B4-BE49-F238E27FC236}">
-                <a16:creationId xmlns:a16="http://schemas.microsoft.com/office/drawing/2014/main" id="{569D1C39-8895-94CD-3C87-E0D11ED1E439}"/>
+                <a16:creationId xmlns:a16="http://schemas.microsoft.com/office/drawing/2014/main" id="{68D9EBEB-38DE-1FD2-CEE6-22D091D68488}"/>
               </a:ext>
             </a:extLst>
           </p:cNvPr>
@@ -2373,7 +2373,7 @@
           <a:bodyPr/>
           <a:lstStyle/>
           <a:p>
-            <a:fld id="{1B2CA55D-B910-4769-83E9-1A1572BBE897}" type="datetimeFigureOut">
+            <a:fld id="{C153205C-E15B-4F17-83FE-C2174B057DB5}" type="datetimeFigureOut">
               <a:rPr lang="zh-CN" altLang="en-US" smtClean="0"/>
               <a:t>2024/3/10</a:t>
             </a:fld>
@@ -2386,7 +2386,7 @@
           <p:cNvPr id="6" name="页脚占位符 5">
             <a:extLst>
               <a:ext uri="{FF2B5EF4-FFF2-40B4-BE49-F238E27FC236}">
-                <a16:creationId xmlns:a16="http://schemas.microsoft.com/office/drawing/2014/main" id="{1197D812-24AA-0DBE-17B3-1B85A7775C4B}"/>
+                <a16:creationId xmlns:a16="http://schemas.microsoft.com/office/drawing/2014/main" id="{ECB71B0C-0A03-6CC6-5289-F67D2428DD4C}"/>
               </a:ext>
             </a:extLst>
           </p:cNvPr>
@@ -2411,7 +2411,7 @@
           <p:cNvPr id="7" name="灯片编号占位符 6">
             <a:extLst>
               <a:ext uri="{FF2B5EF4-FFF2-40B4-BE49-F238E27FC236}">
-                <a16:creationId xmlns:a16="http://schemas.microsoft.com/office/drawing/2014/main" id="{342CA2F8-EC4E-29EC-4AA7-9DDDCA714EBE}"/>
+                <a16:creationId xmlns:a16="http://schemas.microsoft.com/office/drawing/2014/main" id="{CF94CF1B-1591-349C-2AEC-A4C7744BC718}"/>
               </a:ext>
             </a:extLst>
           </p:cNvPr>
@@ -2427,7 +2427,7 @@
           <a:bodyPr/>
           <a:lstStyle/>
           <a:p>
-            <a:fld id="{A468D570-EFAD-45B1-9BEE-5205C681D7CB}" type="slidenum">
+            <a:fld id="{C8E441E7-E9C3-46D3-A078-FE412F84DBEF}" type="slidenum">
               <a:rPr lang="zh-CN" altLang="en-US" smtClean="0"/>
               <a:t>‹#›</a:t>
             </a:fld>
@@ -2438,7 +2438,7 @@
     </p:spTree>
     <p:extLst>
       <p:ext uri="{BB962C8B-B14F-4D97-AF65-F5344CB8AC3E}">
-        <p14:creationId xmlns:p14="http://schemas.microsoft.com/office/powerpoint/2010/main" val="3503543015"/>
+        <p14:creationId xmlns:p14="http://schemas.microsoft.com/office/powerpoint/2010/main" val="1544743902"/>
       </p:ext>
     </p:extLst>
   </p:cSld>
@@ -2470,7 +2470,7 @@
           <p:cNvPr id="2" name="标题 1">
             <a:extLst>
               <a:ext uri="{FF2B5EF4-FFF2-40B4-BE49-F238E27FC236}">
-                <a16:creationId xmlns:a16="http://schemas.microsoft.com/office/drawing/2014/main" id="{51D6F368-EF4F-60E6-E957-CB63CC762289}"/>
+                <a16:creationId xmlns:a16="http://schemas.microsoft.com/office/drawing/2014/main" id="{EE5136C4-8BA3-FFD5-10DC-FCE8123494F9}"/>
               </a:ext>
             </a:extLst>
           </p:cNvPr>
@@ -2507,7 +2507,7 @@
           <p:cNvPr id="3" name="图片占位符 2">
             <a:extLst>
               <a:ext uri="{FF2B5EF4-FFF2-40B4-BE49-F238E27FC236}">
-                <a16:creationId xmlns:a16="http://schemas.microsoft.com/office/drawing/2014/main" id="{BF45820E-E429-3433-26C0-872EBC293A43}"/>
+                <a16:creationId xmlns:a16="http://schemas.microsoft.com/office/drawing/2014/main" id="{84A90B00-3629-9C09-794F-ACBB34EE0FF9}"/>
               </a:ext>
             </a:extLst>
           </p:cNvPr>
@@ -2574,7 +2574,7 @@
           <p:cNvPr id="4" name="文本占位符 3">
             <a:extLst>
               <a:ext uri="{FF2B5EF4-FFF2-40B4-BE49-F238E27FC236}">
-                <a16:creationId xmlns:a16="http://schemas.microsoft.com/office/drawing/2014/main" id="{7CB95BBD-2017-B8A7-6E20-9661F03A9854}"/>
+                <a16:creationId xmlns:a16="http://schemas.microsoft.com/office/drawing/2014/main" id="{6972E52E-5883-69FF-FFBC-4FB7B02AD54C}"/>
               </a:ext>
             </a:extLst>
           </p:cNvPr>
@@ -2645,7 +2645,7 @@
           <p:cNvPr id="5" name="日期占位符 4">
             <a:extLst>
               <a:ext uri="{FF2B5EF4-FFF2-40B4-BE49-F238E27FC236}">
-                <a16:creationId xmlns:a16="http://schemas.microsoft.com/office/drawing/2014/main" id="{1B912D17-23F9-6842-9358-FB40B754C782}"/>
+                <a16:creationId xmlns:a16="http://schemas.microsoft.com/office/drawing/2014/main" id="{F207CCE8-6610-4A9E-5758-131B5D7B884E}"/>
               </a:ext>
             </a:extLst>
           </p:cNvPr>
@@ -2661,7 +2661,7 @@
           <a:bodyPr/>
           <a:lstStyle/>
           <a:p>
-            <a:fld id="{1B2CA55D-B910-4769-83E9-1A1572BBE897}" type="datetimeFigureOut">
+            <a:fld id="{C153205C-E15B-4F17-83FE-C2174B057DB5}" type="datetimeFigureOut">
               <a:rPr lang="zh-CN" altLang="en-US" smtClean="0"/>
               <a:t>2024/3/10</a:t>
             </a:fld>
@@ -2674,7 +2674,7 @@
           <p:cNvPr id="6" name="页脚占位符 5">
             <a:extLst>
               <a:ext uri="{FF2B5EF4-FFF2-40B4-BE49-F238E27FC236}">
-                <a16:creationId xmlns:a16="http://schemas.microsoft.com/office/drawing/2014/main" id="{1A3D1437-E778-0548-C6D6-B576AC5823B1}"/>
+                <a16:creationId xmlns:a16="http://schemas.microsoft.com/office/drawing/2014/main" id="{E55CA8D4-9627-4FD0-CEB7-2864BD1EF951}"/>
               </a:ext>
             </a:extLst>
           </p:cNvPr>
@@ -2699,7 +2699,7 @@
           <p:cNvPr id="7" name="灯片编号占位符 6">
             <a:extLst>
               <a:ext uri="{FF2B5EF4-FFF2-40B4-BE49-F238E27FC236}">
-                <a16:creationId xmlns:a16="http://schemas.microsoft.com/office/drawing/2014/main" id="{F0B14533-29D7-4FAE-E8C7-9A862D7B7D15}"/>
+                <a16:creationId xmlns:a16="http://schemas.microsoft.com/office/drawing/2014/main" id="{4A9DBF1B-2866-6CE7-FA8B-43D0F5ABB2B5}"/>
               </a:ext>
             </a:extLst>
           </p:cNvPr>
@@ -2715,7 +2715,7 @@
           <a:bodyPr/>
           <a:lstStyle/>
           <a:p>
-            <a:fld id="{A468D570-EFAD-45B1-9BEE-5205C681D7CB}" type="slidenum">
+            <a:fld id="{C8E441E7-E9C3-46D3-A078-FE412F84DBEF}" type="slidenum">
               <a:rPr lang="zh-CN" altLang="en-US" smtClean="0"/>
               <a:t>‹#›</a:t>
             </a:fld>
@@ -2726,7 +2726,7 @@
     </p:spTree>
     <p:extLst>
       <p:ext uri="{BB962C8B-B14F-4D97-AF65-F5344CB8AC3E}">
-        <p14:creationId xmlns:p14="http://schemas.microsoft.com/office/powerpoint/2010/main" val="2786687759"/>
+        <p14:creationId xmlns:p14="http://schemas.microsoft.com/office/powerpoint/2010/main" val="3874479211"/>
       </p:ext>
     </p:extLst>
   </p:cSld>
@@ -2763,7 +2763,7 @@
           <p:cNvPr id="2" name="标题占位符 1">
             <a:extLst>
               <a:ext uri="{FF2B5EF4-FFF2-40B4-BE49-F238E27FC236}">
-                <a16:creationId xmlns:a16="http://schemas.microsoft.com/office/drawing/2014/main" id="{43785A5B-4F1F-D51F-E79A-0BEB2F19416A}"/>
+                <a16:creationId xmlns:a16="http://schemas.microsoft.com/office/drawing/2014/main" id="{A71154AB-F462-F8AD-4152-D18F38AE5324}"/>
               </a:ext>
             </a:extLst>
           </p:cNvPr>
@@ -2801,7 +2801,7 @@
           <p:cNvPr id="3" name="文本占位符 2">
             <a:extLst>
               <a:ext uri="{FF2B5EF4-FFF2-40B4-BE49-F238E27FC236}">
-                <a16:creationId xmlns:a16="http://schemas.microsoft.com/office/drawing/2014/main" id="{E3480789-8D47-7C67-57DC-D02E2C40AFFC}"/>
+                <a16:creationId xmlns:a16="http://schemas.microsoft.com/office/drawing/2014/main" id="{542DA1B4-9CC1-C88F-340B-40667CE7429F}"/>
               </a:ext>
             </a:extLst>
           </p:cNvPr>
@@ -2868,7 +2868,7 @@
           <p:cNvPr id="4" name="日期占位符 3">
             <a:extLst>
               <a:ext uri="{FF2B5EF4-FFF2-40B4-BE49-F238E27FC236}">
-                <a16:creationId xmlns:a16="http://schemas.microsoft.com/office/drawing/2014/main" id="{B6933520-8306-4DE7-8764-AD730D0FB747}"/>
+                <a16:creationId xmlns:a16="http://schemas.microsoft.com/office/drawing/2014/main" id="{F25B3ED8-D7BB-5182-F45E-4E45059EDCB9}"/>
               </a:ext>
             </a:extLst>
           </p:cNvPr>
@@ -2902,7 +2902,7 @@
             </a:lvl1pPr>
           </a:lstStyle>
           <a:p>
-            <a:fld id="{1B2CA55D-B910-4769-83E9-1A1572BBE897}" type="datetimeFigureOut">
+            <a:fld id="{C153205C-E15B-4F17-83FE-C2174B057DB5}" type="datetimeFigureOut">
               <a:rPr lang="zh-CN" altLang="en-US" smtClean="0"/>
               <a:t>2024/3/10</a:t>
             </a:fld>
@@ -2915,7 +2915,7 @@
           <p:cNvPr id="5" name="页脚占位符 4">
             <a:extLst>
               <a:ext uri="{FF2B5EF4-FFF2-40B4-BE49-F238E27FC236}">
-                <a16:creationId xmlns:a16="http://schemas.microsoft.com/office/drawing/2014/main" id="{CA4305C6-9AAA-679C-2A5F-3133AD75E981}"/>
+                <a16:creationId xmlns:a16="http://schemas.microsoft.com/office/drawing/2014/main" id="{78BDAE96-C6C2-6DFC-2B6D-9CF3007963A2}"/>
               </a:ext>
             </a:extLst>
           </p:cNvPr>
@@ -2958,7 +2958,7 @@
           <p:cNvPr id="6" name="灯片编号占位符 5">
             <a:extLst>
               <a:ext uri="{FF2B5EF4-FFF2-40B4-BE49-F238E27FC236}">
-                <a16:creationId xmlns:a16="http://schemas.microsoft.com/office/drawing/2014/main" id="{26421792-921E-3634-101F-E17AC09C62B5}"/>
+                <a16:creationId xmlns:a16="http://schemas.microsoft.com/office/drawing/2014/main" id="{D2DEB388-D529-9EBB-8B4A-0B0A7AF0CF67}"/>
               </a:ext>
             </a:extLst>
           </p:cNvPr>
@@ -2992,7 +2992,7 @@
             </a:lvl1pPr>
           </a:lstStyle>
           <a:p>
-            <a:fld id="{A468D570-EFAD-45B1-9BEE-5205C681D7CB}" type="slidenum">
+            <a:fld id="{C8E441E7-E9C3-46D3-A078-FE412F84DBEF}" type="slidenum">
               <a:rPr lang="zh-CN" altLang="en-US" smtClean="0"/>
               <a:t>‹#›</a:t>
             </a:fld>
@@ -3003,7 +3003,7 @@
     </p:spTree>
     <p:extLst>
       <p:ext uri="{BB962C8B-B14F-4D97-AF65-F5344CB8AC3E}">
-        <p14:creationId xmlns:p14="http://schemas.microsoft.com/office/powerpoint/2010/main" val="1546421738"/>
+        <p14:creationId xmlns:p14="http://schemas.microsoft.com/office/powerpoint/2010/main" val="2316199452"/>
       </p:ext>
     </p:extLst>
   </p:cSld>
@@ -3323,7 +3323,7 @@
       </p:grpSpPr>
       <p:pic>
         <p:nvPicPr>
-          <p:cNvPr id="196610" name="Picture 2" descr="191"/>
+          <p:cNvPr id="197634" name="Picture 2" descr="192"/>
           <p:cNvPicPr>
             <a:picLocks noChangeAspect="1" noChangeArrowheads="1"/>
           </p:cNvPicPr>
@@ -3345,7 +3345,7 @@
         <p:spPr bwMode="auto">
           <a:xfrm>
             <a:off x="1524000" y="0"/>
-            <a:ext cx="9144000" cy="6858000"/>
+            <a:ext cx="9144000" cy="5589588"/>
           </a:xfrm>
           <a:prstGeom prst="rect">
             <a:avLst/>
